--- a/cancer_screening/cancer_screening.pptx
+++ b/cancer_screening/cancer_screening.pptx
@@ -5,10 +5,10 @@
     <p:sldMasterId id="2147483648" r:id="rId1"/>
   </p:sldMasterIdLst>
   <p:notesMasterIdLst>
-    <p:notesMasterId r:id="rId39"/>
+    <p:notesMasterId r:id="rId49"/>
   </p:notesMasterIdLst>
   <p:handoutMasterIdLst>
-    <p:handoutMasterId r:id="rId40"/>
+    <p:handoutMasterId r:id="rId50"/>
   </p:handoutMasterIdLst>
   <p:sldIdLst>
     <p:sldId id="256" r:id="rId2"/>
@@ -48,6 +48,16 @@
     <p:sldId id="358" r:id="rId36"/>
     <p:sldId id="359" r:id="rId37"/>
     <p:sldId id="360" r:id="rId38"/>
+    <p:sldId id="361" r:id="rId39"/>
+    <p:sldId id="362" r:id="rId40"/>
+    <p:sldId id="363" r:id="rId41"/>
+    <p:sldId id="364" r:id="rId42"/>
+    <p:sldId id="369" r:id="rId43"/>
+    <p:sldId id="370" r:id="rId44"/>
+    <p:sldId id="371" r:id="rId45"/>
+    <p:sldId id="372" r:id="rId46"/>
+    <p:sldId id="366" r:id="rId47"/>
+    <p:sldId id="368" r:id="rId48"/>
   </p:sldIdLst>
   <p:sldSz cx="12192000" cy="6858000"/>
   <p:notesSz cx="6858000" cy="9144000"/>
@@ -248,7 +258,7 @@
           <a:p>
             <a:fld id="{07CAB96E-9AD4-1741-8B12-A635EB801877}" type="datetimeFigureOut">
               <a:rPr lang="en-JP" smtClean="0"/>
-              <a:t>05/02/2025</a:t>
+              <a:t>05/04/2025</a:t>
             </a:fld>
             <a:endParaRPr lang="en-JP"/>
           </a:p>
@@ -426,7 +436,7 @@
           <a:p>
             <a:fld id="{4347C683-2F4D-6C4A-9AFB-32656FF49D0D}" type="datetimeFigureOut">
               <a:rPr lang="en-JP" smtClean="0"/>
-              <a:t>05/02/2025</a:t>
+              <a:t>05/04/2025</a:t>
             </a:fld>
             <a:endParaRPr lang="en-JP"/>
           </a:p>
@@ -842,7 +852,7 @@
           <a:p>
             <a:fld id="{8BF97897-AF8D-1A42-A285-EAC1878519CE}" type="datetime1">
               <a:rPr kumimoji="1" lang="en-US" altLang="ja-JP" smtClean="0"/>
-              <a:t>5/2/2025</a:t>
+              <a:t>5/4/2025</a:t>
             </a:fld>
             <a:endParaRPr kumimoji="1" lang="ja-JP" altLang="en-US"/>
           </a:p>
@@ -1072,7 +1082,7 @@
           <a:p>
             <a:fld id="{E4199CD3-3691-2C46-A016-D32B741FCC44}" type="datetime1">
               <a:rPr kumimoji="1" lang="en-US" altLang="ja-JP" smtClean="0"/>
-              <a:t>5/2/2025</a:t>
+              <a:t>5/4/2025</a:t>
             </a:fld>
             <a:endParaRPr kumimoji="1" lang="ja-JP" altLang="en-US"/>
           </a:p>
@@ -1312,7 +1322,7 @@
           <a:p>
             <a:fld id="{6230CA91-B4DF-8E4F-8CE7-29BE1982847D}" type="datetime1">
               <a:rPr kumimoji="1" lang="en-US" altLang="ja-JP" smtClean="0"/>
-              <a:t>5/2/2025</a:t>
+              <a:t>5/4/2025</a:t>
             </a:fld>
             <a:endParaRPr kumimoji="1" lang="ja-JP" altLang="en-US"/>
           </a:p>
@@ -1542,7 +1552,7 @@
           <a:p>
             <a:fld id="{6F926A0E-D360-2C4D-9063-02F8EAAF7BCE}" type="datetime1">
               <a:rPr kumimoji="1" lang="en-US" altLang="ja-JP" smtClean="0"/>
-              <a:t>5/2/2025</a:t>
+              <a:t>5/4/2025</a:t>
             </a:fld>
             <a:endParaRPr kumimoji="1" lang="ja-JP" altLang="en-US"/>
           </a:p>
@@ -1817,7 +1827,7 @@
           <a:p>
             <a:fld id="{35A9DC3B-60CE-B24D-A01B-637E58B3653D}" type="datetime1">
               <a:rPr kumimoji="1" lang="en-US" altLang="ja-JP" smtClean="0"/>
-              <a:t>5/2/2025</a:t>
+              <a:t>5/4/2025</a:t>
             </a:fld>
             <a:endParaRPr kumimoji="1" lang="ja-JP" altLang="en-US"/>
           </a:p>
@@ -2146,7 +2156,7 @@
           <a:p>
             <a:fld id="{D30F274A-1CFA-3C42-B531-1761DA8FDFD4}" type="datetime1">
               <a:rPr kumimoji="1" lang="en-US" altLang="ja-JP" smtClean="0"/>
-              <a:t>5/2/2025</a:t>
+              <a:t>5/4/2025</a:t>
             </a:fld>
             <a:endParaRPr kumimoji="1" lang="ja-JP" altLang="en-US"/>
           </a:p>
@@ -2622,7 +2632,7 @@
           <a:p>
             <a:fld id="{33AD05A6-7124-C047-88B1-F0ACCE88F4AB}" type="datetime1">
               <a:rPr kumimoji="1" lang="en-US" altLang="ja-JP" smtClean="0"/>
-              <a:t>5/2/2025</a:t>
+              <a:t>5/4/2025</a:t>
             </a:fld>
             <a:endParaRPr kumimoji="1" lang="ja-JP" altLang="en-US"/>
           </a:p>
@@ -2763,7 +2773,7 @@
           <a:p>
             <a:fld id="{1F7F8DA4-B604-B742-8925-D0242EBA8EA6}" type="datetime1">
               <a:rPr kumimoji="1" lang="en-US" altLang="ja-JP" smtClean="0"/>
-              <a:t>5/2/2025</a:t>
+              <a:t>5/4/2025</a:t>
             </a:fld>
             <a:endParaRPr kumimoji="1" lang="ja-JP" altLang="en-US"/>
           </a:p>
@@ -2876,7 +2886,7 @@
           <a:p>
             <a:fld id="{24CCDCC9-8D0D-D546-A96B-5ACA92430070}" type="datetime1">
               <a:rPr kumimoji="1" lang="en-US" altLang="ja-JP" smtClean="0"/>
-              <a:t>5/2/2025</a:t>
+              <a:t>5/4/2025</a:t>
             </a:fld>
             <a:endParaRPr kumimoji="1" lang="ja-JP" altLang="en-US"/>
           </a:p>
@@ -3219,7 +3229,7 @@
           <a:p>
             <a:fld id="{0A5F9AF3-14FA-884A-821D-B18C90571929}" type="datetime1">
               <a:rPr kumimoji="1" lang="en-US" altLang="ja-JP" smtClean="0"/>
-              <a:t>5/2/2025</a:t>
+              <a:t>5/4/2025</a:t>
             </a:fld>
             <a:endParaRPr kumimoji="1" lang="ja-JP" altLang="en-US"/>
           </a:p>
@@ -3507,7 +3517,7 @@
           <a:p>
             <a:fld id="{AEF8991C-A0A0-6E4C-B3D8-29CB49FAC5A0}" type="datetime1">
               <a:rPr kumimoji="1" lang="en-US" altLang="ja-JP" smtClean="0"/>
-              <a:t>5/2/2025</a:t>
+              <a:t>5/4/2025</a:t>
             </a:fld>
             <a:endParaRPr kumimoji="1" lang="ja-JP" altLang="en-US"/>
           </a:p>
@@ -3780,7 +3790,7 @@
           <a:p>
             <a:fld id="{594A88BC-949F-7542-8745-137407A6E193}" type="datetime1">
               <a:rPr kumimoji="1" lang="en-US" altLang="ja-JP" smtClean="0"/>
-              <a:t>5/2/2025</a:t>
+              <a:t>5/4/2025</a:t>
             </a:fld>
             <a:endParaRPr kumimoji="1" lang="ja-JP" altLang="en-US"/>
           </a:p>
@@ -12932,6 +12942,262 @@
 </p:sld>
 </file>
 
+<file path=ppt/slides/slide38.xml><?xml version="1.0" encoding="utf-8"?>
+<p:sld xmlns:a="http://schemas.openxmlformats.org/drawingml/2006/main" xmlns:r="http://schemas.openxmlformats.org/officeDocument/2006/relationships" xmlns:p="http://schemas.openxmlformats.org/presentationml/2006/main">
+  <p:cSld>
+    <p:spTree>
+      <p:nvGrpSpPr>
+        <p:cNvPr id="1" name="">
+          <a:extLst>
+            <a:ext uri="{FF2B5EF4-FFF2-40B4-BE49-F238E27FC236}">
+              <a16:creationId xmlns:a16="http://schemas.microsoft.com/office/drawing/2014/main" id="{8D2F51F1-D042-29B7-0872-BCE1C932C4BB}"/>
+            </a:ext>
+          </a:extLst>
+        </p:cNvPr>
+        <p:cNvGrpSpPr/>
+        <p:nvPr/>
+      </p:nvGrpSpPr>
+      <p:grpSpPr>
+        <a:xfrm>
+          <a:off x="0" y="0"/>
+          <a:ext cx="0" cy="0"/>
+          <a:chOff x="0" y="0"/>
+          <a:chExt cx="0" cy="0"/>
+        </a:xfrm>
+      </p:grpSpPr>
+      <p:sp>
+        <p:nvSpPr>
+          <p:cNvPr id="2" name="タイトル 1">
+            <a:extLst>
+              <a:ext uri="{FF2B5EF4-FFF2-40B4-BE49-F238E27FC236}">
+                <a16:creationId xmlns:a16="http://schemas.microsoft.com/office/drawing/2014/main" id="{6CB2AEBD-2281-BDE7-3377-BB6B10411FC7}"/>
+              </a:ext>
+            </a:extLst>
+          </p:cNvPr>
+          <p:cNvSpPr>
+            <a:spLocks noGrp="1"/>
+          </p:cNvSpPr>
+          <p:nvPr>
+            <p:ph type="ctrTitle"/>
+          </p:nvPr>
+        </p:nvSpPr>
+        <p:spPr>
+          <a:xfrm>
+            <a:off x="1387642" y="2479433"/>
+            <a:ext cx="9416716" cy="1583767"/>
+          </a:xfrm>
+        </p:spPr>
+        <p:txBody>
+          <a:bodyPr>
+            <a:noAutofit/>
+          </a:bodyPr>
+          <a:lstStyle/>
+          <a:p>
+            <a:r>
+              <a:rPr lang="ja-JP" altLang="en-US" sz="4400" dirty="0"/>
+              <a:t>子宮頸がんセミナー受講後における</a:t>
+            </a:r>
+            <a:br>
+              <a:rPr lang="en-US" altLang="ja-JP" sz="4400" dirty="0"/>
+            </a:br>
+            <a:r>
+              <a:rPr lang="ja-JP" altLang="en-US" sz="4400" dirty="0"/>
+              <a:t>看護学生の認識</a:t>
+            </a:r>
+            <a:endParaRPr dirty="0"/>
+          </a:p>
+        </p:txBody>
+      </p:sp>
+      <p:sp>
+        <p:nvSpPr>
+          <p:cNvPr id="3" name="字幕 2">
+            <a:extLst>
+              <a:ext uri="{FF2B5EF4-FFF2-40B4-BE49-F238E27FC236}">
+                <a16:creationId xmlns:a16="http://schemas.microsoft.com/office/drawing/2014/main" id="{3E85A00D-3551-D694-1123-23631957F802}"/>
+              </a:ext>
+            </a:extLst>
+          </p:cNvPr>
+          <p:cNvSpPr>
+            <a:spLocks noGrp="1"/>
+          </p:cNvSpPr>
+          <p:nvPr>
+            <p:ph type="subTitle" idx="1"/>
+          </p:nvPr>
+        </p:nvSpPr>
+        <p:spPr>
+          <a:xfrm>
+            <a:off x="1524000" y="4151871"/>
+            <a:ext cx="9144000" cy="1470453"/>
+          </a:xfrm>
+        </p:spPr>
+        <p:txBody>
+          <a:bodyPr>
+            <a:normAutofit/>
+          </a:bodyPr>
+          <a:lstStyle/>
+          <a:p>
+            <a:r>
+              <a:rPr lang="ja-JP" altLang="en-US" dirty="0"/>
+              <a:t>大槻 優子</a:t>
+            </a:r>
+            <a:r>
+              <a:rPr lang="en-US" altLang="ja-JP" dirty="0"/>
+              <a:t>, </a:t>
+            </a:r>
+            <a:r>
+              <a:rPr lang="ja-JP" altLang="en-US" dirty="0"/>
+              <a:t>纐纈 祐子  </a:t>
+            </a:r>
+            <a:r>
+              <a:rPr lang="en-US" altLang="ja-JP" dirty="0"/>
+              <a:t>(</a:t>
+            </a:r>
+            <a:r>
+              <a:rPr lang="ja-JP" altLang="en-US" dirty="0"/>
+              <a:t>日農医誌 </a:t>
+            </a:r>
+            <a:r>
+              <a:rPr lang="en-US" altLang="ja-JP" dirty="0"/>
+              <a:t>73</a:t>
+            </a:r>
+            <a:r>
+              <a:rPr lang="ja-JP" altLang="en-US" dirty="0"/>
+              <a:t>巻</a:t>
+            </a:r>
+            <a:r>
+              <a:rPr lang="en-US" altLang="ja-JP" dirty="0"/>
+              <a:t>5</a:t>
+            </a:r>
+            <a:r>
+              <a:rPr lang="ja-JP" altLang="en-US" dirty="0"/>
+              <a:t>号 </a:t>
+            </a:r>
+            <a:r>
+              <a:rPr lang="en-US" altLang="ja-JP" dirty="0"/>
+              <a:t>490‑495</a:t>
+            </a:r>
+            <a:r>
+              <a:rPr lang="ja-JP" altLang="en-US" dirty="0"/>
+              <a:t>頁</a:t>
+            </a:r>
+            <a:r>
+              <a:rPr lang="en-US" altLang="ja-JP" dirty="0"/>
+              <a:t>, 2025)</a:t>
+            </a:r>
+          </a:p>
+        </p:txBody>
+      </p:sp>
+    </p:spTree>
+    <p:extLst>
+      <p:ext uri="{BB962C8B-B14F-4D97-AF65-F5344CB8AC3E}">
+        <p14:creationId xmlns:p14="http://schemas.microsoft.com/office/powerpoint/2010/main" val="3941177808"/>
+      </p:ext>
+    </p:extLst>
+  </p:cSld>
+  <p:clrMapOvr>
+    <a:masterClrMapping/>
+  </p:clrMapOvr>
+</p:sld>
+</file>
+
+<file path=ppt/slides/slide39.xml><?xml version="1.0" encoding="utf-8"?>
+<p:sld xmlns:a="http://schemas.openxmlformats.org/drawingml/2006/main" xmlns:r="http://schemas.openxmlformats.org/officeDocument/2006/relationships" xmlns:p="http://schemas.openxmlformats.org/presentationml/2006/main">
+  <p:cSld>
+    <p:spTree>
+      <p:nvGrpSpPr>
+        <p:cNvPr id="1" name="">
+          <a:extLst>
+            <a:ext uri="{FF2B5EF4-FFF2-40B4-BE49-F238E27FC236}">
+              <a16:creationId xmlns:a16="http://schemas.microsoft.com/office/drawing/2014/main" id="{457EEA83-4904-10AA-066A-745286441D7C}"/>
+            </a:ext>
+          </a:extLst>
+        </p:cNvPr>
+        <p:cNvGrpSpPr/>
+        <p:nvPr/>
+      </p:nvGrpSpPr>
+      <p:grpSpPr>
+        <a:xfrm>
+          <a:off x="0" y="0"/>
+          <a:ext cx="0" cy="0"/>
+          <a:chOff x="0" y="0"/>
+          <a:chExt cx="0" cy="0"/>
+        </a:xfrm>
+      </p:grpSpPr>
+      <p:sp>
+        <p:nvSpPr>
+          <p:cNvPr id="2" name="Title 1">
+            <a:extLst>
+              <a:ext uri="{FF2B5EF4-FFF2-40B4-BE49-F238E27FC236}">
+                <a16:creationId xmlns:a16="http://schemas.microsoft.com/office/drawing/2014/main" id="{E452C1DA-9898-9E83-62BB-0543CA20FDBD}"/>
+              </a:ext>
+            </a:extLst>
+          </p:cNvPr>
+          <p:cNvSpPr>
+            <a:spLocks noGrp="1"/>
+          </p:cNvSpPr>
+          <p:nvPr>
+            <p:ph type="title"/>
+          </p:nvPr>
+        </p:nvSpPr>
+        <p:spPr/>
+        <p:txBody>
+          <a:bodyPr/>
+          <a:lstStyle/>
+          <a:p>
+            <a:r>
+              <a:rPr lang="ja-JP" altLang="en-US" dirty="0"/>
+              <a:t>目的</a:t>
+            </a:r>
+            <a:endParaRPr dirty="0"/>
+          </a:p>
+        </p:txBody>
+      </p:sp>
+      <p:sp>
+        <p:nvSpPr>
+          <p:cNvPr id="3" name="Content Placeholder 2">
+            <a:extLst>
+              <a:ext uri="{FF2B5EF4-FFF2-40B4-BE49-F238E27FC236}">
+                <a16:creationId xmlns:a16="http://schemas.microsoft.com/office/drawing/2014/main" id="{825AA628-D71C-61FA-721D-DC88EAA57491}"/>
+              </a:ext>
+            </a:extLst>
+          </p:cNvPr>
+          <p:cNvSpPr>
+            <a:spLocks noGrp="1"/>
+          </p:cNvSpPr>
+          <p:nvPr>
+            <p:ph idx="1"/>
+          </p:nvPr>
+        </p:nvSpPr>
+        <p:spPr/>
+        <p:txBody>
+          <a:bodyPr>
+            <a:normAutofit/>
+          </a:bodyPr>
+          <a:lstStyle/>
+          <a:p>
+            <a:pPr>
+              <a:defRPr sz="1800"/>
+            </a:pPr>
+            <a:r>
+              <a:rPr lang="ja-JP" altLang="en-US" sz="2400" dirty="0"/>
+              <a:t>看護学生が「子宮頸がんセミナー」を受講した後に示す認識を明らかにする。</a:t>
+            </a:r>
+          </a:p>
+        </p:txBody>
+      </p:sp>
+    </p:spTree>
+    <p:extLst>
+      <p:ext uri="{BB962C8B-B14F-4D97-AF65-F5344CB8AC3E}">
+        <p14:creationId xmlns:p14="http://schemas.microsoft.com/office/powerpoint/2010/main" val="869576835"/>
+      </p:ext>
+    </p:extLst>
+  </p:cSld>
+  <p:clrMapOvr>
+    <a:masterClrMapping/>
+  </p:clrMapOvr>
+</p:sld>
+</file>
+
 <file path=ppt/slides/slide4.xml><?xml version="1.0" encoding="utf-8"?>
 <p:sld xmlns:a="http://schemas.openxmlformats.org/drawingml/2006/main" xmlns:r="http://schemas.openxmlformats.org/officeDocument/2006/relationships" xmlns:p="http://schemas.openxmlformats.org/presentationml/2006/main">
   <p:cSld>
@@ -13489,6 +13755,1494 @@
     <p:extLst>
       <p:ext uri="{BB962C8B-B14F-4D97-AF65-F5344CB8AC3E}">
         <p14:creationId xmlns:p14="http://schemas.microsoft.com/office/powerpoint/2010/main" val="3812733508"/>
+      </p:ext>
+    </p:extLst>
+  </p:cSld>
+  <p:clrMapOvr>
+    <a:masterClrMapping/>
+  </p:clrMapOvr>
+</p:sld>
+</file>
+
+<file path=ppt/slides/slide40.xml><?xml version="1.0" encoding="utf-8"?>
+<p:sld xmlns:a="http://schemas.openxmlformats.org/drawingml/2006/main" xmlns:r="http://schemas.openxmlformats.org/officeDocument/2006/relationships" xmlns:p="http://schemas.openxmlformats.org/presentationml/2006/main">
+  <p:cSld>
+    <p:spTree>
+      <p:nvGrpSpPr>
+        <p:cNvPr id="1" name="">
+          <a:extLst>
+            <a:ext uri="{FF2B5EF4-FFF2-40B4-BE49-F238E27FC236}">
+              <a16:creationId xmlns:a16="http://schemas.microsoft.com/office/drawing/2014/main" id="{E5E85D5B-26D7-5DC6-3EDA-53C6F5C3C79D}"/>
+            </a:ext>
+          </a:extLst>
+        </p:cNvPr>
+        <p:cNvGrpSpPr/>
+        <p:nvPr/>
+      </p:nvGrpSpPr>
+      <p:grpSpPr>
+        <a:xfrm>
+          <a:off x="0" y="0"/>
+          <a:ext cx="0" cy="0"/>
+          <a:chOff x="0" y="0"/>
+          <a:chExt cx="0" cy="0"/>
+        </a:xfrm>
+      </p:grpSpPr>
+      <p:sp>
+        <p:nvSpPr>
+          <p:cNvPr id="2" name="Title 1">
+            <a:extLst>
+              <a:ext uri="{FF2B5EF4-FFF2-40B4-BE49-F238E27FC236}">
+                <a16:creationId xmlns:a16="http://schemas.microsoft.com/office/drawing/2014/main" id="{26A3926E-C7DB-9DAD-C52D-58E74BDEAD8C}"/>
+              </a:ext>
+            </a:extLst>
+          </p:cNvPr>
+          <p:cNvSpPr>
+            <a:spLocks noGrp="1"/>
+          </p:cNvSpPr>
+          <p:nvPr>
+            <p:ph type="title"/>
+          </p:nvPr>
+        </p:nvSpPr>
+        <p:spPr/>
+        <p:txBody>
+          <a:bodyPr/>
+          <a:lstStyle/>
+          <a:p>
+            <a:r>
+              <a:rPr lang="ja-JP" altLang="en-US" sz="3600" dirty="0"/>
+              <a:t>方法論（データ）</a:t>
+            </a:r>
+            <a:endParaRPr dirty="0"/>
+          </a:p>
+        </p:txBody>
+      </p:sp>
+      <p:sp>
+        <p:nvSpPr>
+          <p:cNvPr id="3" name="Content Placeholder 2">
+            <a:extLst>
+              <a:ext uri="{FF2B5EF4-FFF2-40B4-BE49-F238E27FC236}">
+                <a16:creationId xmlns:a16="http://schemas.microsoft.com/office/drawing/2014/main" id="{2F6AF071-47E8-A316-CC44-8949CC3F2DA9}"/>
+              </a:ext>
+            </a:extLst>
+          </p:cNvPr>
+          <p:cNvSpPr>
+            <a:spLocks noGrp="1"/>
+          </p:cNvSpPr>
+          <p:nvPr>
+            <p:ph idx="1"/>
+          </p:nvPr>
+        </p:nvSpPr>
+        <p:spPr>
+          <a:xfrm>
+            <a:off x="838199" y="1127203"/>
+            <a:ext cx="10515600" cy="4351338"/>
+          </a:xfrm>
+        </p:spPr>
+        <p:txBody>
+          <a:bodyPr>
+            <a:normAutofit/>
+          </a:bodyPr>
+          <a:lstStyle/>
+          <a:p>
+            <a:pPr marL="0" indent="0">
+              <a:buNone/>
+              <a:defRPr sz="1800"/>
+            </a:pPr>
+            <a:endParaRPr lang="ja-JP" altLang="en-US" sz="3200" dirty="0"/>
+          </a:p>
+          <a:p>
+            <a:pPr marL="0" indent="0">
+              <a:buNone/>
+              <a:defRPr sz="1800"/>
+            </a:pPr>
+            <a:r>
+              <a:rPr lang="ja-JP" altLang="en-US" sz="3200" dirty="0"/>
+              <a:t>対象</a:t>
+            </a:r>
+            <a:r>
+              <a:rPr lang="en-US" altLang="ja-JP" sz="3200" dirty="0"/>
+              <a:t>: </a:t>
+            </a:r>
+            <a:r>
+              <a:rPr lang="ja-JP" altLang="en-US" sz="3200" dirty="0"/>
+              <a:t>看護学科</a:t>
+            </a:r>
+            <a:r>
+              <a:rPr lang="en-US" altLang="ja-JP" sz="3200" dirty="0"/>
+              <a:t>1</a:t>
+            </a:r>
+            <a:r>
+              <a:rPr lang="ja-JP" altLang="en-US" sz="3200" dirty="0"/>
+              <a:t>年生 </a:t>
+            </a:r>
+            <a:r>
+              <a:rPr lang="en-US" altLang="ja-JP" sz="3200" dirty="0"/>
+              <a:t>28</a:t>
+            </a:r>
+            <a:r>
+              <a:rPr lang="ja-JP" altLang="en-US" sz="3200" dirty="0"/>
+              <a:t>名 </a:t>
+            </a:r>
+            <a:r>
+              <a:rPr lang="en-US" altLang="ja-JP" sz="3200" dirty="0"/>
+              <a:t>(</a:t>
+            </a:r>
+            <a:r>
+              <a:rPr lang="ja-JP" altLang="en-US" sz="3200" dirty="0"/>
+              <a:t>男性</a:t>
+            </a:r>
+            <a:r>
+              <a:rPr lang="en-US" altLang="ja-JP" sz="3200" dirty="0"/>
+              <a:t>9</a:t>
+            </a:r>
+            <a:r>
+              <a:rPr lang="ja-JP" altLang="en-US" sz="3200" dirty="0"/>
+              <a:t>名・女性</a:t>
+            </a:r>
+            <a:r>
+              <a:rPr lang="en-US" altLang="ja-JP" sz="3200" dirty="0"/>
+              <a:t>19</a:t>
+            </a:r>
+            <a:r>
+              <a:rPr lang="ja-JP" altLang="en-US" sz="3200" dirty="0"/>
+              <a:t>名</a:t>
+            </a:r>
+            <a:r>
+              <a:rPr lang="en-US" altLang="ja-JP" sz="3200" dirty="0"/>
+              <a:t>)</a:t>
+            </a:r>
+          </a:p>
+          <a:p>
+            <a:pPr marL="0" indent="0">
+              <a:buNone/>
+              <a:defRPr sz="1800"/>
+            </a:pPr>
+            <a:r>
+              <a:rPr lang="ja-JP" altLang="en-US" sz="3200" dirty="0"/>
+              <a:t>データ</a:t>
+            </a:r>
+            <a:r>
+              <a:rPr lang="en-US" altLang="ja-JP" sz="3200" dirty="0"/>
+              <a:t>: </a:t>
+            </a:r>
+            <a:r>
+              <a:rPr lang="ja-JP" altLang="en-US" sz="3200" dirty="0"/>
+              <a:t>受講後に提出された</a:t>
+            </a:r>
+            <a:r>
+              <a:rPr lang="en-US" altLang="ja-JP" sz="3200" dirty="0"/>
+              <a:t>1,600</a:t>
+            </a:r>
+            <a:r>
+              <a:rPr lang="ja-JP" altLang="en-US" sz="3200" dirty="0"/>
+              <a:t>字レポート</a:t>
+            </a:r>
+          </a:p>
+          <a:p>
+            <a:pPr marL="0" indent="0">
+              <a:buNone/>
+              <a:defRPr sz="1800"/>
+            </a:pPr>
+            <a:r>
+              <a:rPr lang="ja-JP" altLang="en-US" sz="3200" dirty="0"/>
+              <a:t>分析</a:t>
+            </a:r>
+            <a:r>
+              <a:rPr lang="en-US" altLang="ja-JP" sz="3200" dirty="0"/>
+              <a:t>: </a:t>
+            </a:r>
+            <a:r>
+              <a:rPr lang="ja-JP" altLang="en-US" sz="3200" dirty="0"/>
+              <a:t>質的解析 </a:t>
+            </a:r>
+            <a:r>
+              <a:rPr lang="en-US" altLang="ja-JP" sz="3200" dirty="0"/>
+              <a:t>(198</a:t>
+            </a:r>
+            <a:r>
+              <a:rPr lang="ja-JP" altLang="en-US" sz="3200" dirty="0"/>
+              <a:t>コード→</a:t>
+            </a:r>
+            <a:r>
+              <a:rPr lang="en-US" altLang="ja-JP" sz="3200" dirty="0"/>
+              <a:t>9</a:t>
+            </a:r>
+            <a:r>
+              <a:rPr lang="ja-JP" altLang="en-US" sz="3200" dirty="0"/>
+              <a:t>サブカテゴリ→</a:t>
+            </a:r>
+            <a:r>
+              <a:rPr lang="en-US" altLang="ja-JP" sz="3200" dirty="0"/>
+              <a:t>4</a:t>
+            </a:r>
+            <a:r>
+              <a:rPr lang="ja-JP" altLang="en-US" sz="3200" dirty="0"/>
+              <a:t>カテゴリ</a:t>
+            </a:r>
+            <a:r>
+              <a:rPr lang="en-US" altLang="ja-JP" sz="3200" dirty="0"/>
+              <a:t>)</a:t>
+            </a:r>
+          </a:p>
+          <a:p>
+            <a:pPr marL="0" indent="0">
+              <a:buNone/>
+              <a:defRPr sz="1800"/>
+            </a:pPr>
+            <a:r>
+              <a:rPr lang="ja-JP" altLang="en-US" sz="3200" dirty="0"/>
+              <a:t>倫理</a:t>
+            </a:r>
+            <a:r>
+              <a:rPr lang="en-US" altLang="ja-JP" sz="3200" dirty="0"/>
+              <a:t>: </a:t>
+            </a:r>
+            <a:r>
+              <a:rPr lang="ja-JP" altLang="en-US" sz="3200" dirty="0"/>
+              <a:t>大学倫理委員会承認 </a:t>
+            </a:r>
+            <a:r>
+              <a:rPr lang="en-US" altLang="ja-JP" sz="3200" dirty="0"/>
+              <a:t>(R03‑16</a:t>
+            </a:r>
+            <a:r>
+              <a:rPr lang="ja-JP" altLang="en-US" sz="3200" dirty="0"/>
+              <a:t>号</a:t>
+            </a:r>
+            <a:r>
+              <a:rPr lang="en-US" altLang="ja-JP" sz="3200" dirty="0"/>
+              <a:t>) </a:t>
+            </a:r>
+            <a:r>
+              <a:rPr lang="ja-JP" altLang="en-US" sz="3200" dirty="0"/>
+              <a:t>取得済</a:t>
+            </a:r>
+          </a:p>
+        </p:txBody>
+      </p:sp>
+    </p:spTree>
+    <p:extLst>
+      <p:ext uri="{BB962C8B-B14F-4D97-AF65-F5344CB8AC3E}">
+        <p14:creationId xmlns:p14="http://schemas.microsoft.com/office/powerpoint/2010/main" val="3391738031"/>
+      </p:ext>
+    </p:extLst>
+  </p:cSld>
+  <p:clrMapOvr>
+    <a:masterClrMapping/>
+  </p:clrMapOvr>
+</p:sld>
+</file>
+
+<file path=ppt/slides/slide41.xml><?xml version="1.0" encoding="utf-8"?>
+<p:sld xmlns:a="http://schemas.openxmlformats.org/drawingml/2006/main" xmlns:r="http://schemas.openxmlformats.org/officeDocument/2006/relationships" xmlns:p="http://schemas.openxmlformats.org/presentationml/2006/main">
+  <p:cSld>
+    <p:spTree>
+      <p:nvGrpSpPr>
+        <p:cNvPr id="1" name="">
+          <a:extLst>
+            <a:ext uri="{FF2B5EF4-FFF2-40B4-BE49-F238E27FC236}">
+              <a16:creationId xmlns:a16="http://schemas.microsoft.com/office/drawing/2014/main" id="{C1B60C2C-59B9-3D58-E8F6-4FECFCECF8D0}"/>
+            </a:ext>
+          </a:extLst>
+        </p:cNvPr>
+        <p:cNvGrpSpPr/>
+        <p:nvPr/>
+      </p:nvGrpSpPr>
+      <p:grpSpPr>
+        <a:xfrm>
+          <a:off x="0" y="0"/>
+          <a:ext cx="0" cy="0"/>
+          <a:chOff x="0" y="0"/>
+          <a:chExt cx="0" cy="0"/>
+        </a:xfrm>
+      </p:grpSpPr>
+      <p:sp>
+        <p:nvSpPr>
+          <p:cNvPr id="3" name="Content Placeholder 2">
+            <a:extLst>
+              <a:ext uri="{FF2B5EF4-FFF2-40B4-BE49-F238E27FC236}">
+                <a16:creationId xmlns:a16="http://schemas.microsoft.com/office/drawing/2014/main" id="{783E24B8-7120-84F7-A506-53EEFF21672E}"/>
+              </a:ext>
+            </a:extLst>
+          </p:cNvPr>
+          <p:cNvSpPr>
+            <a:spLocks noGrp="1"/>
+          </p:cNvSpPr>
+          <p:nvPr>
+            <p:ph idx="1"/>
+          </p:nvPr>
+        </p:nvSpPr>
+        <p:spPr>
+          <a:xfrm>
+            <a:off x="838200" y="1690688"/>
+            <a:ext cx="10515600" cy="4351338"/>
+          </a:xfrm>
+        </p:spPr>
+        <p:txBody>
+          <a:bodyPr>
+            <a:normAutofit/>
+          </a:bodyPr>
+          <a:lstStyle/>
+          <a:p>
+            <a:pPr marL="0" indent="0">
+              <a:buNone/>
+              <a:defRPr sz="1800"/>
+            </a:pPr>
+            <a:r>
+              <a:rPr lang="en-US" altLang="ja-JP" sz="3000" dirty="0"/>
+              <a:t>【</a:t>
+            </a:r>
+            <a:r>
+              <a:rPr lang="ja-JP" altLang="en-US" sz="3000" dirty="0"/>
+              <a:t>分析手順</a:t>
+            </a:r>
+            <a:r>
+              <a:rPr lang="en-US" altLang="ja-JP" sz="3000" dirty="0"/>
+              <a:t>】 </a:t>
+            </a:r>
+          </a:p>
+          <a:p>
+            <a:pPr marL="0" indent="0">
+              <a:buNone/>
+              <a:defRPr sz="1800"/>
+            </a:pPr>
+            <a:r>
+              <a:rPr lang="en-US" altLang="ja-JP" sz="3000" dirty="0"/>
+              <a:t>①</a:t>
+            </a:r>
+            <a:r>
+              <a:rPr lang="ja-JP" altLang="en-US" sz="3000" dirty="0"/>
+              <a:t>記述抽出→コード化（</a:t>
+            </a:r>
+            <a:r>
+              <a:rPr lang="en-US" altLang="ja-JP" sz="3000" dirty="0"/>
+              <a:t>198</a:t>
+            </a:r>
+            <a:r>
+              <a:rPr lang="ja-JP" altLang="en-US" sz="3000" dirty="0"/>
+              <a:t>コード）</a:t>
+            </a:r>
+            <a:endParaRPr lang="en-US" altLang="ja-JP" sz="3000" dirty="0"/>
+          </a:p>
+          <a:p>
+            <a:pPr marL="0" indent="0">
+              <a:buNone/>
+              <a:defRPr sz="1800"/>
+            </a:pPr>
+            <a:r>
+              <a:rPr lang="ja-JP" altLang="en-US" sz="3000" dirty="0"/>
+              <a:t>②同質性・異質性に基づき</a:t>
+            </a:r>
+            <a:r>
+              <a:rPr lang="en-US" altLang="ja-JP" sz="3000" dirty="0"/>
+              <a:t>9</a:t>
+            </a:r>
+            <a:r>
+              <a:rPr lang="ja-JP" altLang="en-US" sz="3000" dirty="0"/>
+              <a:t>サブカテゴリへ統合</a:t>
+            </a:r>
+            <a:endParaRPr lang="en-US" altLang="ja-JP" sz="3000" dirty="0"/>
+          </a:p>
+          <a:p>
+            <a:pPr marL="0" indent="0">
+              <a:buNone/>
+              <a:defRPr sz="1800"/>
+            </a:pPr>
+            <a:r>
+              <a:rPr lang="ja-JP" altLang="en-US" sz="3000" dirty="0"/>
+              <a:t>③更に</a:t>
+            </a:r>
+            <a:r>
+              <a:rPr lang="en-US" altLang="ja-JP" sz="3000" dirty="0"/>
+              <a:t>4</a:t>
+            </a:r>
+            <a:r>
+              <a:rPr lang="ja-JP" altLang="en-US" sz="3000" dirty="0"/>
+              <a:t>カテゴリへ抽象化</a:t>
+            </a:r>
+          </a:p>
+          <a:p>
+            <a:pPr marL="0" indent="0">
+              <a:buNone/>
+              <a:defRPr sz="1800"/>
+            </a:pPr>
+            <a:r>
+              <a:rPr lang="ja-JP" altLang="en-US" sz="3000" dirty="0"/>
+              <a:t>信頼性担保</a:t>
+            </a:r>
+            <a:r>
+              <a:rPr lang="en-US" altLang="ja-JP" sz="3000" dirty="0"/>
+              <a:t>: </a:t>
+            </a:r>
+            <a:r>
+              <a:rPr lang="ja-JP" altLang="en-US" sz="3000" dirty="0"/>
+              <a:t>研究代表者と分担者が討議しカテゴリ決定</a:t>
+            </a:r>
+          </a:p>
+        </p:txBody>
+      </p:sp>
+      <p:sp>
+        <p:nvSpPr>
+          <p:cNvPr id="2" name="Title 1">
+            <a:extLst>
+              <a:ext uri="{FF2B5EF4-FFF2-40B4-BE49-F238E27FC236}">
+                <a16:creationId xmlns:a16="http://schemas.microsoft.com/office/drawing/2014/main" id="{6B32907E-D3DE-D287-2191-DD0CD58DDEDC}"/>
+              </a:ext>
+            </a:extLst>
+          </p:cNvPr>
+          <p:cNvSpPr>
+            <a:spLocks noGrp="1"/>
+          </p:cNvSpPr>
+          <p:nvPr>
+            <p:ph type="title"/>
+          </p:nvPr>
+        </p:nvSpPr>
+        <p:spPr>
+          <a:xfrm>
+            <a:off x="838200" y="365125"/>
+            <a:ext cx="10515600" cy="1325563"/>
+          </a:xfrm>
+        </p:spPr>
+        <p:txBody>
+          <a:bodyPr>
+            <a:normAutofit/>
+          </a:bodyPr>
+          <a:lstStyle/>
+          <a:p>
+            <a:r>
+              <a:rPr lang="ja-JP" altLang="en-US" sz="3600" dirty="0"/>
+              <a:t>方法論</a:t>
+            </a:r>
+          </a:p>
+        </p:txBody>
+      </p:sp>
+    </p:spTree>
+    <p:extLst>
+      <p:ext uri="{BB962C8B-B14F-4D97-AF65-F5344CB8AC3E}">
+        <p14:creationId xmlns:p14="http://schemas.microsoft.com/office/powerpoint/2010/main" val="637087130"/>
+      </p:ext>
+    </p:extLst>
+  </p:cSld>
+  <p:clrMapOvr>
+    <a:masterClrMapping/>
+  </p:clrMapOvr>
+</p:sld>
+</file>
+
+<file path=ppt/slides/slide42.xml><?xml version="1.0" encoding="utf-8"?>
+<p:sld xmlns:a="http://schemas.openxmlformats.org/drawingml/2006/main" xmlns:r="http://schemas.openxmlformats.org/officeDocument/2006/relationships" xmlns:p="http://schemas.openxmlformats.org/presentationml/2006/main">
+  <p:cSld>
+    <p:spTree>
+      <p:nvGrpSpPr>
+        <p:cNvPr id="1" name="">
+          <a:extLst>
+            <a:ext uri="{FF2B5EF4-FFF2-40B4-BE49-F238E27FC236}">
+              <a16:creationId xmlns:a16="http://schemas.microsoft.com/office/drawing/2014/main" id="{89241CA7-858E-DE4D-C6B2-474D9BE8DA2B}"/>
+            </a:ext>
+          </a:extLst>
+        </p:cNvPr>
+        <p:cNvGrpSpPr/>
+        <p:nvPr/>
+      </p:nvGrpSpPr>
+      <p:grpSpPr>
+        <a:xfrm>
+          <a:off x="0" y="0"/>
+          <a:ext cx="0" cy="0"/>
+          <a:chOff x="0" y="0"/>
+          <a:chExt cx="0" cy="0"/>
+        </a:xfrm>
+      </p:grpSpPr>
+      <p:sp>
+        <p:nvSpPr>
+          <p:cNvPr id="3" name="Content Placeholder 2">
+            <a:extLst>
+              <a:ext uri="{FF2B5EF4-FFF2-40B4-BE49-F238E27FC236}">
+                <a16:creationId xmlns:a16="http://schemas.microsoft.com/office/drawing/2014/main" id="{9E61EBCD-27D8-2AF5-6350-F45F0BEE277A}"/>
+              </a:ext>
+            </a:extLst>
+          </p:cNvPr>
+          <p:cNvSpPr>
+            <a:spLocks noGrp="1"/>
+          </p:cNvSpPr>
+          <p:nvPr>
+            <p:ph idx="1"/>
+          </p:nvPr>
+        </p:nvSpPr>
+        <p:spPr>
+          <a:xfrm>
+            <a:off x="838200" y="1690688"/>
+            <a:ext cx="10515600" cy="4351338"/>
+          </a:xfrm>
+        </p:spPr>
+        <p:txBody>
+          <a:bodyPr>
+            <a:normAutofit/>
+          </a:bodyPr>
+          <a:lstStyle/>
+          <a:p>
+            <a:pPr marL="0" indent="0">
+              <a:buNone/>
+              <a:defRPr sz="1800"/>
+            </a:pPr>
+            <a:endParaRPr lang="ja-JP" altLang="en-US" sz="3000" dirty="0"/>
+          </a:p>
+        </p:txBody>
+      </p:sp>
+      <p:sp>
+        <p:nvSpPr>
+          <p:cNvPr id="2" name="Title 1">
+            <a:extLst>
+              <a:ext uri="{FF2B5EF4-FFF2-40B4-BE49-F238E27FC236}">
+                <a16:creationId xmlns:a16="http://schemas.microsoft.com/office/drawing/2014/main" id="{10276580-4D8F-41E9-B8B7-A497F91C8114}"/>
+              </a:ext>
+            </a:extLst>
+          </p:cNvPr>
+          <p:cNvSpPr>
+            <a:spLocks noGrp="1"/>
+          </p:cNvSpPr>
+          <p:nvPr>
+            <p:ph type="title"/>
+          </p:nvPr>
+        </p:nvSpPr>
+        <p:spPr>
+          <a:xfrm>
+            <a:off x="838200" y="365125"/>
+            <a:ext cx="10515600" cy="1325563"/>
+          </a:xfrm>
+        </p:spPr>
+        <p:txBody>
+          <a:bodyPr>
+            <a:normAutofit/>
+          </a:bodyPr>
+          <a:lstStyle/>
+          <a:p>
+            <a:r>
+              <a:rPr lang="ja-JP" altLang="en-US" sz="3600" dirty="0"/>
+              <a:t>方法論</a:t>
+            </a:r>
+          </a:p>
+        </p:txBody>
+      </p:sp>
+      <p:pic>
+        <p:nvPicPr>
+          <p:cNvPr id="5" name="図 4">
+            <a:extLst>
+              <a:ext uri="{FF2B5EF4-FFF2-40B4-BE49-F238E27FC236}">
+                <a16:creationId xmlns:a16="http://schemas.microsoft.com/office/drawing/2014/main" id="{1EA33F93-53AD-70BD-AEE2-0C51B04160CE}"/>
+              </a:ext>
+            </a:extLst>
+          </p:cNvPr>
+          <p:cNvPicPr>
+            <a:picLocks noChangeAspect="1"/>
+          </p:cNvPicPr>
+          <p:nvPr/>
+        </p:nvPicPr>
+        <p:blipFill>
+          <a:blip r:embed="rId2"/>
+          <a:stretch>
+            <a:fillRect/>
+          </a:stretch>
+        </p:blipFill>
+        <p:spPr>
+          <a:xfrm>
+            <a:off x="838200" y="1251541"/>
+            <a:ext cx="10515600" cy="5236797"/>
+          </a:xfrm>
+          <a:prstGeom prst="rect">
+            <a:avLst/>
+          </a:prstGeom>
+        </p:spPr>
+      </p:pic>
+    </p:spTree>
+    <p:extLst>
+      <p:ext uri="{BB962C8B-B14F-4D97-AF65-F5344CB8AC3E}">
+        <p14:creationId xmlns:p14="http://schemas.microsoft.com/office/powerpoint/2010/main" val="3803568619"/>
+      </p:ext>
+    </p:extLst>
+  </p:cSld>
+  <p:clrMapOvr>
+    <a:masterClrMapping/>
+  </p:clrMapOvr>
+</p:sld>
+</file>
+
+<file path=ppt/slides/slide43.xml><?xml version="1.0" encoding="utf-8"?>
+<p:sld xmlns:a="http://schemas.openxmlformats.org/drawingml/2006/main" xmlns:r="http://schemas.openxmlformats.org/officeDocument/2006/relationships" xmlns:p="http://schemas.openxmlformats.org/presentationml/2006/main">
+  <p:cSld>
+    <p:spTree>
+      <p:nvGrpSpPr>
+        <p:cNvPr id="1" name="">
+          <a:extLst>
+            <a:ext uri="{FF2B5EF4-FFF2-40B4-BE49-F238E27FC236}">
+              <a16:creationId xmlns:a16="http://schemas.microsoft.com/office/drawing/2014/main" id="{1F2A045F-04B2-6DAA-AFEB-8874C89B9EBC}"/>
+            </a:ext>
+          </a:extLst>
+        </p:cNvPr>
+        <p:cNvGrpSpPr/>
+        <p:nvPr/>
+      </p:nvGrpSpPr>
+      <p:grpSpPr>
+        <a:xfrm>
+          <a:off x="0" y="0"/>
+          <a:ext cx="0" cy="0"/>
+          <a:chOff x="0" y="0"/>
+          <a:chExt cx="0" cy="0"/>
+        </a:xfrm>
+      </p:grpSpPr>
+      <p:sp>
+        <p:nvSpPr>
+          <p:cNvPr id="3" name="Content Placeholder 2">
+            <a:extLst>
+              <a:ext uri="{FF2B5EF4-FFF2-40B4-BE49-F238E27FC236}">
+                <a16:creationId xmlns:a16="http://schemas.microsoft.com/office/drawing/2014/main" id="{FE0D1B86-5A98-F48C-3D8A-20B695245BF2}"/>
+              </a:ext>
+            </a:extLst>
+          </p:cNvPr>
+          <p:cNvSpPr>
+            <a:spLocks noGrp="1"/>
+          </p:cNvSpPr>
+          <p:nvPr>
+            <p:ph idx="1"/>
+          </p:nvPr>
+        </p:nvSpPr>
+        <p:spPr>
+          <a:xfrm>
+            <a:off x="838200" y="1690688"/>
+            <a:ext cx="10515600" cy="4351338"/>
+          </a:xfrm>
+        </p:spPr>
+        <p:txBody>
+          <a:bodyPr>
+            <a:normAutofit/>
+          </a:bodyPr>
+          <a:lstStyle/>
+          <a:p>
+            <a:pPr marL="0" indent="0">
+              <a:buNone/>
+              <a:defRPr sz="1800"/>
+            </a:pPr>
+            <a:endParaRPr lang="ja-JP" altLang="en-US" sz="3000" dirty="0"/>
+          </a:p>
+        </p:txBody>
+      </p:sp>
+      <p:sp>
+        <p:nvSpPr>
+          <p:cNvPr id="2" name="Title 1">
+            <a:extLst>
+              <a:ext uri="{FF2B5EF4-FFF2-40B4-BE49-F238E27FC236}">
+                <a16:creationId xmlns:a16="http://schemas.microsoft.com/office/drawing/2014/main" id="{8A6B4796-6313-A4BD-1C4B-8F7333E10F5D}"/>
+              </a:ext>
+            </a:extLst>
+          </p:cNvPr>
+          <p:cNvSpPr>
+            <a:spLocks noGrp="1"/>
+          </p:cNvSpPr>
+          <p:nvPr>
+            <p:ph type="title"/>
+          </p:nvPr>
+        </p:nvSpPr>
+        <p:spPr>
+          <a:xfrm>
+            <a:off x="838200" y="365125"/>
+            <a:ext cx="10515600" cy="1325563"/>
+          </a:xfrm>
+        </p:spPr>
+        <p:txBody>
+          <a:bodyPr>
+            <a:normAutofit/>
+          </a:bodyPr>
+          <a:lstStyle/>
+          <a:p>
+            <a:r>
+              <a:rPr lang="ja-JP" altLang="en-US" sz="3600" dirty="0"/>
+              <a:t>方法論</a:t>
+            </a:r>
+          </a:p>
+        </p:txBody>
+      </p:sp>
+      <p:pic>
+        <p:nvPicPr>
+          <p:cNvPr id="5" name="図 4">
+            <a:extLst>
+              <a:ext uri="{FF2B5EF4-FFF2-40B4-BE49-F238E27FC236}">
+                <a16:creationId xmlns:a16="http://schemas.microsoft.com/office/drawing/2014/main" id="{946EB043-1555-973B-AD1B-E28532E1C0E2}"/>
+              </a:ext>
+            </a:extLst>
+          </p:cNvPr>
+          <p:cNvPicPr>
+            <a:picLocks noChangeAspect="1"/>
+          </p:cNvPicPr>
+          <p:nvPr/>
+        </p:nvPicPr>
+        <p:blipFill>
+          <a:blip r:embed="rId2"/>
+          <a:srcRect b="83228"/>
+          <a:stretch/>
+        </p:blipFill>
+        <p:spPr>
+          <a:xfrm>
+            <a:off x="838200" y="1251542"/>
+            <a:ext cx="10515600" cy="878294"/>
+          </a:xfrm>
+          <a:prstGeom prst="rect">
+            <a:avLst/>
+          </a:prstGeom>
+        </p:spPr>
+      </p:pic>
+      <p:pic>
+        <p:nvPicPr>
+          <p:cNvPr id="6" name="図 5">
+            <a:extLst>
+              <a:ext uri="{FF2B5EF4-FFF2-40B4-BE49-F238E27FC236}">
+                <a16:creationId xmlns:a16="http://schemas.microsoft.com/office/drawing/2014/main" id="{1B88195A-22C9-4721-4904-122BA1C5CBFC}"/>
+              </a:ext>
+            </a:extLst>
+          </p:cNvPr>
+          <p:cNvPicPr>
+            <a:picLocks noChangeAspect="1"/>
+          </p:cNvPicPr>
+          <p:nvPr/>
+        </p:nvPicPr>
+        <p:blipFill>
+          <a:blip r:embed="rId3"/>
+          <a:stretch>
+            <a:fillRect/>
+          </a:stretch>
+        </p:blipFill>
+        <p:spPr>
+          <a:xfrm>
+            <a:off x="838200" y="2129835"/>
+            <a:ext cx="10359189" cy="3490444"/>
+          </a:xfrm>
+          <a:prstGeom prst="rect">
+            <a:avLst/>
+          </a:prstGeom>
+        </p:spPr>
+      </p:pic>
+    </p:spTree>
+    <p:extLst>
+      <p:ext uri="{BB962C8B-B14F-4D97-AF65-F5344CB8AC3E}">
+        <p14:creationId xmlns:p14="http://schemas.microsoft.com/office/powerpoint/2010/main" val="2983259472"/>
+      </p:ext>
+    </p:extLst>
+  </p:cSld>
+  <p:clrMapOvr>
+    <a:masterClrMapping/>
+  </p:clrMapOvr>
+</p:sld>
+</file>
+
+<file path=ppt/slides/slide44.xml><?xml version="1.0" encoding="utf-8"?>
+<p:sld xmlns:a="http://schemas.openxmlformats.org/drawingml/2006/main" xmlns:r="http://schemas.openxmlformats.org/officeDocument/2006/relationships" xmlns:p="http://schemas.openxmlformats.org/presentationml/2006/main">
+  <p:cSld>
+    <p:spTree>
+      <p:nvGrpSpPr>
+        <p:cNvPr id="1" name="">
+          <a:extLst>
+            <a:ext uri="{FF2B5EF4-FFF2-40B4-BE49-F238E27FC236}">
+              <a16:creationId xmlns:a16="http://schemas.microsoft.com/office/drawing/2014/main" id="{17BFAAB9-A585-77BE-9A8D-7920C5F256D6}"/>
+            </a:ext>
+          </a:extLst>
+        </p:cNvPr>
+        <p:cNvGrpSpPr/>
+        <p:nvPr/>
+      </p:nvGrpSpPr>
+      <p:grpSpPr>
+        <a:xfrm>
+          <a:off x="0" y="0"/>
+          <a:ext cx="0" cy="0"/>
+          <a:chOff x="0" y="0"/>
+          <a:chExt cx="0" cy="0"/>
+        </a:xfrm>
+      </p:grpSpPr>
+      <p:sp>
+        <p:nvSpPr>
+          <p:cNvPr id="3" name="Content Placeholder 2">
+            <a:extLst>
+              <a:ext uri="{FF2B5EF4-FFF2-40B4-BE49-F238E27FC236}">
+                <a16:creationId xmlns:a16="http://schemas.microsoft.com/office/drawing/2014/main" id="{88DEAB87-21F8-5871-AB6E-F5F89A7A330A}"/>
+              </a:ext>
+            </a:extLst>
+          </p:cNvPr>
+          <p:cNvSpPr>
+            <a:spLocks noGrp="1"/>
+          </p:cNvSpPr>
+          <p:nvPr>
+            <p:ph idx="1"/>
+          </p:nvPr>
+        </p:nvSpPr>
+        <p:spPr>
+          <a:xfrm>
+            <a:off x="838200" y="1690688"/>
+            <a:ext cx="10515600" cy="4351338"/>
+          </a:xfrm>
+        </p:spPr>
+        <p:txBody>
+          <a:bodyPr>
+            <a:normAutofit/>
+          </a:bodyPr>
+          <a:lstStyle/>
+          <a:p>
+            <a:pPr marL="0" indent="0">
+              <a:buNone/>
+              <a:defRPr sz="1800"/>
+            </a:pPr>
+            <a:endParaRPr lang="ja-JP" altLang="en-US" sz="3000" dirty="0"/>
+          </a:p>
+        </p:txBody>
+      </p:sp>
+      <p:sp>
+        <p:nvSpPr>
+          <p:cNvPr id="2" name="Title 1">
+            <a:extLst>
+              <a:ext uri="{FF2B5EF4-FFF2-40B4-BE49-F238E27FC236}">
+                <a16:creationId xmlns:a16="http://schemas.microsoft.com/office/drawing/2014/main" id="{F8969A56-628D-0F23-9DF6-2444335672A8}"/>
+              </a:ext>
+            </a:extLst>
+          </p:cNvPr>
+          <p:cNvSpPr>
+            <a:spLocks noGrp="1"/>
+          </p:cNvSpPr>
+          <p:nvPr>
+            <p:ph type="title"/>
+          </p:nvPr>
+        </p:nvSpPr>
+        <p:spPr>
+          <a:xfrm>
+            <a:off x="838200" y="365125"/>
+            <a:ext cx="10515600" cy="1325563"/>
+          </a:xfrm>
+        </p:spPr>
+        <p:txBody>
+          <a:bodyPr>
+            <a:normAutofit/>
+          </a:bodyPr>
+          <a:lstStyle/>
+          <a:p>
+            <a:r>
+              <a:rPr lang="ja-JP" altLang="en-US" sz="3600"/>
+              <a:t>方法論</a:t>
+            </a:r>
+            <a:endParaRPr lang="ja-JP" altLang="en-US" sz="3600" dirty="0"/>
+          </a:p>
+        </p:txBody>
+      </p:sp>
+      <p:pic>
+        <p:nvPicPr>
+          <p:cNvPr id="5" name="図 4">
+            <a:extLst>
+              <a:ext uri="{FF2B5EF4-FFF2-40B4-BE49-F238E27FC236}">
+                <a16:creationId xmlns:a16="http://schemas.microsoft.com/office/drawing/2014/main" id="{878323FE-448E-DD1D-2413-78867608503B}"/>
+              </a:ext>
+            </a:extLst>
+          </p:cNvPr>
+          <p:cNvPicPr>
+            <a:picLocks noChangeAspect="1"/>
+          </p:cNvPicPr>
+          <p:nvPr/>
+        </p:nvPicPr>
+        <p:blipFill>
+          <a:blip r:embed="rId2"/>
+          <a:srcRect b="83228"/>
+          <a:stretch/>
+        </p:blipFill>
+        <p:spPr>
+          <a:xfrm>
+            <a:off x="838200" y="1251542"/>
+            <a:ext cx="10515600" cy="878294"/>
+          </a:xfrm>
+          <a:prstGeom prst="rect">
+            <a:avLst/>
+          </a:prstGeom>
+        </p:spPr>
+      </p:pic>
+      <p:pic>
+        <p:nvPicPr>
+          <p:cNvPr id="7" name="図 6">
+            <a:extLst>
+              <a:ext uri="{FF2B5EF4-FFF2-40B4-BE49-F238E27FC236}">
+                <a16:creationId xmlns:a16="http://schemas.microsoft.com/office/drawing/2014/main" id="{D6FB1630-56B8-845D-8B7E-A3E4251C1DEF}"/>
+              </a:ext>
+            </a:extLst>
+          </p:cNvPr>
+          <p:cNvPicPr>
+            <a:picLocks noChangeAspect="1"/>
+          </p:cNvPicPr>
+          <p:nvPr/>
+        </p:nvPicPr>
+        <p:blipFill>
+          <a:blip r:embed="rId3"/>
+          <a:stretch>
+            <a:fillRect/>
+          </a:stretch>
+        </p:blipFill>
+        <p:spPr>
+          <a:xfrm>
+            <a:off x="961789" y="2173950"/>
+            <a:ext cx="10139348" cy="2690880"/>
+          </a:xfrm>
+          <a:prstGeom prst="rect">
+            <a:avLst/>
+          </a:prstGeom>
+        </p:spPr>
+      </p:pic>
+    </p:spTree>
+    <p:extLst>
+      <p:ext uri="{BB962C8B-B14F-4D97-AF65-F5344CB8AC3E}">
+        <p14:creationId xmlns:p14="http://schemas.microsoft.com/office/powerpoint/2010/main" val="1162307746"/>
+      </p:ext>
+    </p:extLst>
+  </p:cSld>
+  <p:clrMapOvr>
+    <a:masterClrMapping/>
+  </p:clrMapOvr>
+</p:sld>
+</file>
+
+<file path=ppt/slides/slide45.xml><?xml version="1.0" encoding="utf-8"?>
+<p:sld xmlns:a="http://schemas.openxmlformats.org/drawingml/2006/main" xmlns:r="http://schemas.openxmlformats.org/officeDocument/2006/relationships" xmlns:p="http://schemas.openxmlformats.org/presentationml/2006/main">
+  <p:cSld>
+    <p:spTree>
+      <p:nvGrpSpPr>
+        <p:cNvPr id="1" name="">
+          <a:extLst>
+            <a:ext uri="{FF2B5EF4-FFF2-40B4-BE49-F238E27FC236}">
+              <a16:creationId xmlns:a16="http://schemas.microsoft.com/office/drawing/2014/main" id="{7CFECF6E-8469-44CB-C22B-D97AC1D558FE}"/>
+            </a:ext>
+          </a:extLst>
+        </p:cNvPr>
+        <p:cNvGrpSpPr/>
+        <p:nvPr/>
+      </p:nvGrpSpPr>
+      <p:grpSpPr>
+        <a:xfrm>
+          <a:off x="0" y="0"/>
+          <a:ext cx="0" cy="0"/>
+          <a:chOff x="0" y="0"/>
+          <a:chExt cx="0" cy="0"/>
+        </a:xfrm>
+      </p:grpSpPr>
+      <p:sp>
+        <p:nvSpPr>
+          <p:cNvPr id="3" name="Content Placeholder 2">
+            <a:extLst>
+              <a:ext uri="{FF2B5EF4-FFF2-40B4-BE49-F238E27FC236}">
+                <a16:creationId xmlns:a16="http://schemas.microsoft.com/office/drawing/2014/main" id="{919D454A-EEF0-53FC-8C20-57BAE38054C5}"/>
+              </a:ext>
+            </a:extLst>
+          </p:cNvPr>
+          <p:cNvSpPr>
+            <a:spLocks noGrp="1"/>
+          </p:cNvSpPr>
+          <p:nvPr>
+            <p:ph idx="1"/>
+          </p:nvPr>
+        </p:nvSpPr>
+        <p:spPr>
+          <a:xfrm>
+            <a:off x="838200" y="1690688"/>
+            <a:ext cx="10515600" cy="4351338"/>
+          </a:xfrm>
+        </p:spPr>
+        <p:txBody>
+          <a:bodyPr>
+            <a:normAutofit/>
+          </a:bodyPr>
+          <a:lstStyle/>
+          <a:p>
+            <a:pPr marL="0" indent="0">
+              <a:buNone/>
+              <a:defRPr sz="1800"/>
+            </a:pPr>
+            <a:endParaRPr lang="ja-JP" altLang="en-US" sz="3000" dirty="0"/>
+          </a:p>
+        </p:txBody>
+      </p:sp>
+      <p:sp>
+        <p:nvSpPr>
+          <p:cNvPr id="2" name="Title 1">
+            <a:extLst>
+              <a:ext uri="{FF2B5EF4-FFF2-40B4-BE49-F238E27FC236}">
+                <a16:creationId xmlns:a16="http://schemas.microsoft.com/office/drawing/2014/main" id="{B3E91F8D-9491-B224-B18B-87DD03D48CBE}"/>
+              </a:ext>
+            </a:extLst>
+          </p:cNvPr>
+          <p:cNvSpPr>
+            <a:spLocks noGrp="1"/>
+          </p:cNvSpPr>
+          <p:nvPr>
+            <p:ph type="title"/>
+          </p:nvPr>
+        </p:nvSpPr>
+        <p:spPr>
+          <a:xfrm>
+            <a:off x="838200" y="365125"/>
+            <a:ext cx="10515600" cy="1325563"/>
+          </a:xfrm>
+        </p:spPr>
+        <p:txBody>
+          <a:bodyPr>
+            <a:normAutofit/>
+          </a:bodyPr>
+          <a:lstStyle/>
+          <a:p>
+            <a:r>
+              <a:rPr lang="ja-JP" altLang="en-US" sz="3600"/>
+              <a:t>方法論</a:t>
+            </a:r>
+            <a:endParaRPr lang="ja-JP" altLang="en-US" sz="3600" dirty="0"/>
+          </a:p>
+        </p:txBody>
+      </p:sp>
+      <p:pic>
+        <p:nvPicPr>
+          <p:cNvPr id="5" name="図 4">
+            <a:extLst>
+              <a:ext uri="{FF2B5EF4-FFF2-40B4-BE49-F238E27FC236}">
+                <a16:creationId xmlns:a16="http://schemas.microsoft.com/office/drawing/2014/main" id="{374C3080-03DE-5F3E-F2CA-5CF55DEC43A6}"/>
+              </a:ext>
+            </a:extLst>
+          </p:cNvPr>
+          <p:cNvPicPr>
+            <a:picLocks noChangeAspect="1"/>
+          </p:cNvPicPr>
+          <p:nvPr/>
+        </p:nvPicPr>
+        <p:blipFill>
+          <a:blip r:embed="rId2"/>
+          <a:srcRect b="83228"/>
+          <a:stretch/>
+        </p:blipFill>
+        <p:spPr>
+          <a:xfrm>
+            <a:off x="838200" y="1251542"/>
+            <a:ext cx="10515600" cy="878294"/>
+          </a:xfrm>
+          <a:prstGeom prst="rect">
+            <a:avLst/>
+          </a:prstGeom>
+        </p:spPr>
+      </p:pic>
+      <p:pic>
+        <p:nvPicPr>
+          <p:cNvPr id="6" name="図 5">
+            <a:extLst>
+              <a:ext uri="{FF2B5EF4-FFF2-40B4-BE49-F238E27FC236}">
+                <a16:creationId xmlns:a16="http://schemas.microsoft.com/office/drawing/2014/main" id="{D51CBFFA-97C4-83E7-7671-50BD0AA3B637}"/>
+              </a:ext>
+            </a:extLst>
+          </p:cNvPr>
+          <p:cNvPicPr>
+            <a:picLocks noChangeAspect="1"/>
+          </p:cNvPicPr>
+          <p:nvPr/>
+        </p:nvPicPr>
+        <p:blipFill>
+          <a:blip r:embed="rId3"/>
+          <a:stretch>
+            <a:fillRect/>
+          </a:stretch>
+        </p:blipFill>
+        <p:spPr>
+          <a:xfrm>
+            <a:off x="987358" y="2129834"/>
+            <a:ext cx="10113780" cy="2899561"/>
+          </a:xfrm>
+          <a:prstGeom prst="rect">
+            <a:avLst/>
+          </a:prstGeom>
+        </p:spPr>
+      </p:pic>
+    </p:spTree>
+    <p:extLst>
+      <p:ext uri="{BB962C8B-B14F-4D97-AF65-F5344CB8AC3E}">
+        <p14:creationId xmlns:p14="http://schemas.microsoft.com/office/powerpoint/2010/main" val="1710935695"/>
+      </p:ext>
+    </p:extLst>
+  </p:cSld>
+  <p:clrMapOvr>
+    <a:masterClrMapping/>
+  </p:clrMapOvr>
+</p:sld>
+</file>
+
+<file path=ppt/slides/slide46.xml><?xml version="1.0" encoding="utf-8"?>
+<p:sld xmlns:a="http://schemas.openxmlformats.org/drawingml/2006/main" xmlns:r="http://schemas.openxmlformats.org/officeDocument/2006/relationships" xmlns:p="http://schemas.openxmlformats.org/presentationml/2006/main">
+  <p:cSld>
+    <p:spTree>
+      <p:nvGrpSpPr>
+        <p:cNvPr id="1" name="">
+          <a:extLst>
+            <a:ext uri="{FF2B5EF4-FFF2-40B4-BE49-F238E27FC236}">
+              <a16:creationId xmlns:a16="http://schemas.microsoft.com/office/drawing/2014/main" id="{417CC8EF-C580-4FE6-6096-A89AAA40CE85}"/>
+            </a:ext>
+          </a:extLst>
+        </p:cNvPr>
+        <p:cNvGrpSpPr/>
+        <p:nvPr/>
+      </p:nvGrpSpPr>
+      <p:grpSpPr>
+        <a:xfrm>
+          <a:off x="0" y="0"/>
+          <a:ext cx="0" cy="0"/>
+          <a:chOff x="0" y="0"/>
+          <a:chExt cx="0" cy="0"/>
+        </a:xfrm>
+      </p:grpSpPr>
+      <p:sp>
+        <p:nvSpPr>
+          <p:cNvPr id="3" name="コンテンツ プレースホルダー 2">
+            <a:extLst>
+              <a:ext uri="{FF2B5EF4-FFF2-40B4-BE49-F238E27FC236}">
+                <a16:creationId xmlns:a16="http://schemas.microsoft.com/office/drawing/2014/main" id="{0A7C6FD9-48D2-2A4B-413A-FF9188002658}"/>
+              </a:ext>
+            </a:extLst>
+          </p:cNvPr>
+          <p:cNvSpPr>
+            <a:spLocks noGrp="1"/>
+          </p:cNvSpPr>
+          <p:nvPr>
+            <p:ph idx="1"/>
+          </p:nvPr>
+        </p:nvSpPr>
+        <p:spPr>
+          <a:xfrm>
+            <a:off x="838200" y="1376446"/>
+            <a:ext cx="10515600" cy="4351338"/>
+          </a:xfrm>
+        </p:spPr>
+        <p:txBody>
+          <a:bodyPr>
+            <a:normAutofit fontScale="92500" lnSpcReduction="10000"/>
+          </a:bodyPr>
+          <a:lstStyle/>
+          <a:p>
+            <a:pPr marL="0" indent="0">
+              <a:lnSpc>
+                <a:spcPct val="100000"/>
+              </a:lnSpc>
+              <a:buNone/>
+            </a:pPr>
+            <a:endParaRPr lang="ja-JP" altLang="en-US" sz="3200" dirty="0"/>
+          </a:p>
+          <a:p>
+            <a:pPr marL="0" indent="0">
+              <a:lnSpc>
+                <a:spcPct val="100000"/>
+              </a:lnSpc>
+              <a:buNone/>
+            </a:pPr>
+            <a:r>
+              <a:rPr lang="en-US" altLang="ja-JP" sz="3200" dirty="0"/>
+              <a:t>1.</a:t>
+            </a:r>
+            <a:r>
+              <a:rPr lang="ja-JP" altLang="en-US" sz="3200" dirty="0"/>
+              <a:t> 正しい知識の獲得</a:t>
+            </a:r>
+            <a:r>
+              <a:rPr lang="en-US" altLang="ja-JP" sz="3200" dirty="0"/>
+              <a:t>: </a:t>
+            </a:r>
+            <a:r>
+              <a:rPr lang="ja-JP" altLang="en-US" sz="3200" dirty="0"/>
+              <a:t>現状把握・若年罹患への驚き・予防方法習得</a:t>
+            </a:r>
+          </a:p>
+          <a:p>
+            <a:pPr marL="0" indent="0">
+              <a:lnSpc>
+                <a:spcPct val="100000"/>
+              </a:lnSpc>
+              <a:buNone/>
+            </a:pPr>
+            <a:r>
+              <a:rPr lang="en-US" altLang="ja-JP" sz="3200" dirty="0"/>
+              <a:t>2.</a:t>
+            </a:r>
+            <a:r>
+              <a:rPr lang="ja-JP" altLang="en-US" sz="3200" dirty="0"/>
+              <a:t> 接種・検診への姿勢</a:t>
+            </a:r>
+            <a:r>
+              <a:rPr lang="en-US" altLang="ja-JP" sz="3200" dirty="0"/>
+              <a:t>: </a:t>
+            </a:r>
+            <a:r>
+              <a:rPr lang="ja-JP" altLang="en-US" sz="3200" dirty="0"/>
+              <a:t>接種意欲向上・検診の必要性と障壁 </a:t>
+            </a:r>
+            <a:r>
+              <a:rPr lang="en-US" altLang="ja-JP" sz="3200" dirty="0"/>
+              <a:t>(</a:t>
+            </a:r>
+            <a:r>
+              <a:rPr lang="ja-JP" altLang="en-US" sz="3200" dirty="0"/>
+              <a:t>費用・羞恥心</a:t>
+            </a:r>
+            <a:r>
+              <a:rPr lang="en-US" altLang="ja-JP" sz="3200" dirty="0"/>
+              <a:t>)</a:t>
+            </a:r>
+          </a:p>
+          <a:p>
+            <a:pPr marL="0" indent="0">
+              <a:lnSpc>
+                <a:spcPct val="100000"/>
+              </a:lnSpc>
+              <a:buNone/>
+            </a:pPr>
+            <a:r>
+              <a:rPr lang="en-US" altLang="ja-JP" sz="3200" dirty="0"/>
+              <a:t>3. </a:t>
+            </a:r>
+            <a:r>
+              <a:rPr lang="ja-JP" altLang="en-US" sz="3200" dirty="0"/>
+              <a:t>専門職の役割</a:t>
+            </a:r>
+            <a:r>
+              <a:rPr lang="en-US" altLang="ja-JP" sz="3200" dirty="0"/>
+              <a:t>: </a:t>
+            </a:r>
+            <a:r>
+              <a:rPr lang="ja-JP" altLang="en-US" sz="3200" dirty="0"/>
+              <a:t>将来看護師として情報提供・家族や友人への働きかけ</a:t>
+            </a:r>
+          </a:p>
+          <a:p>
+            <a:pPr marL="0" indent="0">
+              <a:lnSpc>
+                <a:spcPct val="100000"/>
+              </a:lnSpc>
+              <a:buNone/>
+            </a:pPr>
+            <a:r>
+              <a:rPr lang="en-US" altLang="ja-JP" sz="3200" dirty="0"/>
+              <a:t>4.</a:t>
+            </a:r>
+            <a:r>
+              <a:rPr lang="ja-JP" altLang="en-US" sz="3200" dirty="0"/>
+              <a:t> パートナーへの配慮</a:t>
+            </a:r>
+            <a:r>
+              <a:rPr lang="en-US" altLang="ja-JP" sz="3200" dirty="0"/>
+              <a:t>: </a:t>
+            </a:r>
+            <a:r>
+              <a:rPr lang="ja-JP" altLang="en-US" sz="3200" dirty="0"/>
+              <a:t>男性学生も予防支援・協力の重要性を認識</a:t>
+            </a:r>
+          </a:p>
+        </p:txBody>
+      </p:sp>
+      <p:sp>
+        <p:nvSpPr>
+          <p:cNvPr id="7" name="Title 1">
+            <a:extLst>
+              <a:ext uri="{FF2B5EF4-FFF2-40B4-BE49-F238E27FC236}">
+                <a16:creationId xmlns:a16="http://schemas.microsoft.com/office/drawing/2014/main" id="{48430C09-7793-2AB7-6A97-023506D648D0}"/>
+              </a:ext>
+            </a:extLst>
+          </p:cNvPr>
+          <p:cNvSpPr>
+            <a:spLocks noGrp="1"/>
+          </p:cNvSpPr>
+          <p:nvPr>
+            <p:ph type="title"/>
+          </p:nvPr>
+        </p:nvSpPr>
+        <p:spPr>
+          <a:xfrm>
+            <a:off x="838200" y="365125"/>
+            <a:ext cx="10515600" cy="1325563"/>
+          </a:xfrm>
+        </p:spPr>
+        <p:txBody>
+          <a:bodyPr>
+            <a:normAutofit/>
+          </a:bodyPr>
+          <a:lstStyle/>
+          <a:p>
+            <a:r>
+              <a:rPr lang="ja-JP" altLang="en-US" sz="3600" dirty="0"/>
+              <a:t>結果 </a:t>
+            </a:r>
+            <a:r>
+              <a:rPr lang="en-US" altLang="ja-JP" sz="3600" dirty="0"/>
+              <a:t>4</a:t>
+            </a:r>
+            <a:r>
+              <a:rPr lang="ja-JP" altLang="en-US" sz="3600" dirty="0"/>
+              <a:t>つの主要カテゴリ</a:t>
+            </a:r>
+            <a:endParaRPr lang="ja-JP" altLang="en-US" sz="2400" dirty="0"/>
+          </a:p>
+        </p:txBody>
+      </p:sp>
+    </p:spTree>
+    <p:extLst>
+      <p:ext uri="{BB962C8B-B14F-4D97-AF65-F5344CB8AC3E}">
+        <p14:creationId xmlns:p14="http://schemas.microsoft.com/office/powerpoint/2010/main" val="700745815"/>
+      </p:ext>
+    </p:extLst>
+  </p:cSld>
+  <p:clrMapOvr>
+    <a:masterClrMapping/>
+  </p:clrMapOvr>
+</p:sld>
+</file>
+
+<file path=ppt/slides/slide47.xml><?xml version="1.0" encoding="utf-8"?>
+<p:sld xmlns:a="http://schemas.openxmlformats.org/drawingml/2006/main" xmlns:r="http://schemas.openxmlformats.org/officeDocument/2006/relationships" xmlns:p="http://schemas.openxmlformats.org/presentationml/2006/main">
+  <p:cSld>
+    <p:spTree>
+      <p:nvGrpSpPr>
+        <p:cNvPr id="1" name="">
+          <a:extLst>
+            <a:ext uri="{FF2B5EF4-FFF2-40B4-BE49-F238E27FC236}">
+              <a16:creationId xmlns:a16="http://schemas.microsoft.com/office/drawing/2014/main" id="{B914DDA1-6C7B-0599-D7E9-DF46B40BF0E9}"/>
+            </a:ext>
+          </a:extLst>
+        </p:cNvPr>
+        <p:cNvGrpSpPr/>
+        <p:nvPr/>
+      </p:nvGrpSpPr>
+      <p:grpSpPr>
+        <a:xfrm>
+          <a:off x="0" y="0"/>
+          <a:ext cx="0" cy="0"/>
+          <a:chOff x="0" y="0"/>
+          <a:chExt cx="0" cy="0"/>
+        </a:xfrm>
+      </p:grpSpPr>
+      <p:sp>
+        <p:nvSpPr>
+          <p:cNvPr id="3" name="コンテンツ プレースホルダー 2">
+            <a:extLst>
+              <a:ext uri="{FF2B5EF4-FFF2-40B4-BE49-F238E27FC236}">
+                <a16:creationId xmlns:a16="http://schemas.microsoft.com/office/drawing/2014/main" id="{F6F4F137-5067-C571-FF0F-DC4EE694F50B}"/>
+              </a:ext>
+            </a:extLst>
+          </p:cNvPr>
+          <p:cNvSpPr>
+            <a:spLocks noGrp="1"/>
+          </p:cNvSpPr>
+          <p:nvPr>
+            <p:ph idx="1"/>
+          </p:nvPr>
+        </p:nvSpPr>
+        <p:spPr/>
+        <p:txBody>
+          <a:bodyPr>
+            <a:normAutofit/>
+          </a:bodyPr>
+          <a:lstStyle/>
+          <a:p>
+            <a:pPr marL="0" indent="0">
+              <a:buNone/>
+            </a:pPr>
+            <a:endParaRPr lang="ja-JP" altLang="en-US" dirty="0"/>
+          </a:p>
+          <a:p>
+            <a:pPr marL="0" indent="0">
+              <a:buNone/>
+            </a:pPr>
+            <a:r>
+              <a:rPr lang="ja-JP" altLang="en-US" dirty="0"/>
+              <a:t>・セミナーは看護学生の知識・態度・専門職意識を向上させた</a:t>
+            </a:r>
+          </a:p>
+          <a:p>
+            <a:pPr marL="0" indent="0">
+              <a:buNone/>
+            </a:pPr>
+            <a:r>
+              <a:rPr lang="ja-JP" altLang="en-US" dirty="0"/>
+              <a:t>・検診への経済的負担・心理的抵抗が実施率低下の要因</a:t>
+            </a:r>
+          </a:p>
+          <a:p>
+            <a:pPr marL="0" indent="0">
+              <a:buNone/>
+            </a:pPr>
+            <a:r>
+              <a:rPr lang="ja-JP" altLang="en-US" dirty="0"/>
+              <a:t>・検診環境整備 </a:t>
+            </a:r>
+            <a:r>
+              <a:rPr lang="en-US" altLang="ja-JP" dirty="0"/>
+              <a:t>(</a:t>
+            </a:r>
+            <a:r>
+              <a:rPr lang="ja-JP" altLang="en-US" dirty="0"/>
+              <a:t>女性医師配置等</a:t>
+            </a:r>
+            <a:r>
+              <a:rPr lang="en-US" altLang="ja-JP" dirty="0"/>
+              <a:t>) </a:t>
+            </a:r>
+            <a:r>
+              <a:rPr lang="ja-JP" altLang="en-US" dirty="0"/>
+              <a:t>と費用負担軽減が課題</a:t>
+            </a:r>
+          </a:p>
+          <a:p>
+            <a:pPr marL="0" indent="0">
+              <a:buNone/>
+            </a:pPr>
+            <a:r>
+              <a:rPr lang="ja-JP" altLang="en-US" dirty="0"/>
+              <a:t>・教育プログラムと社会的支援策の併用で子宮頸がん対策を強化</a:t>
+            </a:r>
+          </a:p>
+          <a:p>
+            <a:pPr marL="0" indent="0">
+              <a:buNone/>
+            </a:pPr>
+            <a:endParaRPr lang="ja-JP" altLang="en-US" dirty="0"/>
+          </a:p>
+        </p:txBody>
+      </p:sp>
+      <p:sp>
+        <p:nvSpPr>
+          <p:cNvPr id="7" name="Title 1">
+            <a:extLst>
+              <a:ext uri="{FF2B5EF4-FFF2-40B4-BE49-F238E27FC236}">
+                <a16:creationId xmlns:a16="http://schemas.microsoft.com/office/drawing/2014/main" id="{488A976A-C13B-CA14-AB25-D624A602FABC}"/>
+              </a:ext>
+            </a:extLst>
+          </p:cNvPr>
+          <p:cNvSpPr>
+            <a:spLocks noGrp="1"/>
+          </p:cNvSpPr>
+          <p:nvPr>
+            <p:ph type="title"/>
+          </p:nvPr>
+        </p:nvSpPr>
+        <p:spPr>
+          <a:xfrm>
+            <a:off x="838200" y="365125"/>
+            <a:ext cx="10515600" cy="1325563"/>
+          </a:xfrm>
+        </p:spPr>
+        <p:txBody>
+          <a:bodyPr>
+            <a:normAutofit/>
+          </a:bodyPr>
+          <a:lstStyle/>
+          <a:p>
+            <a:r>
+              <a:rPr lang="ja-JP" altLang="en-US" sz="3600" dirty="0"/>
+              <a:t>結論</a:t>
+            </a:r>
+            <a:endParaRPr lang="ja-JP" altLang="en-US" sz="1800" dirty="0"/>
+          </a:p>
+        </p:txBody>
+      </p:sp>
+    </p:spTree>
+    <p:extLst>
+      <p:ext uri="{BB962C8B-B14F-4D97-AF65-F5344CB8AC3E}">
+        <p14:creationId xmlns:p14="http://schemas.microsoft.com/office/powerpoint/2010/main" val="1481592487"/>
       </p:ext>
     </p:extLst>
   </p:cSld>
